--- a/Documentação/Grupo 3 - Status Report 07-10.pptx
+++ b/Documentação/Grupo 3 - Status Report 07-10.pptx
@@ -230,7 +230,7 @@
           <a:p>
             <a:fld id="{C3CD65D1-5C11-455D-9F9A-0E035F00A0DA}" type="datetimeFigureOut">
               <a:rPr lang="pt-BR" smtClean="0"/>
-              <a:t>07/10/2021</a:t>
+              <a:t>11/11/2021</a:t>
             </a:fld>
             <a:endParaRPr lang="pt-BR"/>
           </a:p>
@@ -396,7 +396,7 @@
           <a:p>
             <a:fld id="{A05DA3EF-18EA-43DE-B1BB-402A3C558822}" type="datetimeFigureOut">
               <a:rPr lang="pt-BR" smtClean="0"/>
-              <a:t>07/10/2021</a:t>
+              <a:t>11/11/2021</a:t>
             </a:fld>
             <a:endParaRPr lang="pt-BR"/>
           </a:p>
@@ -22653,7 +22653,7 @@
             <a:avLst/>
           </a:prstGeom>
           <a:solidFill>
-            <a:srgbClr val="FF0000"/>
+            <a:srgbClr val="FFFF00"/>
           </a:solidFill>
           <a:ln w="12700">
             <a:solidFill>
@@ -23473,7 +23473,98 @@
                 <a:latin typeface="Calibri" panose="020F0502020204030204" pitchFamily="34" charset="0"/>
                 <a:cs typeface="Simplon BP Regular"/>
               </a:rPr>
-              <a:t>Finalizar a tela de pré-cadastro, tela de cadastro do atleta, cadastro do dono da quadra, login dono da quadra, encontrar quadra de futebol (quadrado das fotos da quadra), pagamento e agenda</a:t>
+              <a:t>Ajustar o conteudo do site</a:t>
+            </a:r>
+          </a:p>
+          <a:p>
+            <a:pPr marL="252095" indent="-252095" fontAlgn="base">
+              <a:spcBef>
+                <a:spcPct val="0"/>
+              </a:spcBef>
+              <a:buFont typeface="Wingdings" panose="05000000000000000000" pitchFamily="2" charset="2"/>
+              <a:buChar char="ü"/>
+              <a:defRPr/>
+            </a:pPr>
+            <a:r>
+              <a:rPr lang="pt-PT" altLang="pt-BR" sz="1400" b="1" dirty="0">
+                <a:solidFill>
+                  <a:schemeClr val="tx1"/>
+                </a:solidFill>
+                <a:latin typeface="Calibri" panose="020F0502020204030204" pitchFamily="34" charset="0"/>
+                <a:cs typeface="Simplon BP Regular"/>
+              </a:rPr>
+              <a:t>Fazer a responsividade</a:t>
+            </a:r>
+          </a:p>
+          <a:p>
+            <a:pPr marL="252095" indent="-252095" fontAlgn="base">
+              <a:spcBef>
+                <a:spcPct val="0"/>
+              </a:spcBef>
+              <a:buFont typeface="Wingdings" panose="05000000000000000000" pitchFamily="2" charset="2"/>
+              <a:buChar char="ü"/>
+              <a:defRPr/>
+            </a:pPr>
+            <a:endParaRPr lang="pt-PT" altLang="pt-BR" sz="1400" b="1" dirty="0">
+              <a:solidFill>
+                <a:schemeClr val="tx1"/>
+              </a:solidFill>
+              <a:latin typeface="Calibri" panose="020F0502020204030204" pitchFamily="34" charset="0"/>
+              <a:cs typeface="Simplon BP Regular"/>
+            </a:endParaRPr>
+          </a:p>
+          <a:p>
+            <a:pPr fontAlgn="base">
+              <a:spcBef>
+                <a:spcPct val="0"/>
+              </a:spcBef>
+              <a:defRPr/>
+            </a:pPr>
+            <a:r>
+              <a:rPr lang="pt-PT" altLang="pt-BR" sz="1400" b="1" dirty="0">
+                <a:solidFill>
+                  <a:schemeClr val="tx1"/>
+                </a:solidFill>
+                <a:latin typeface="Calibri" panose="020F0502020204030204" pitchFamily="34" charset="0"/>
+                <a:cs typeface="Simplon BP Regular"/>
+              </a:rPr>
+              <a:t>Frente de negócios</a:t>
+            </a:r>
+          </a:p>
+          <a:p>
+            <a:pPr fontAlgn="base">
+              <a:spcBef>
+                <a:spcPct val="0"/>
+              </a:spcBef>
+              <a:defRPr/>
+            </a:pPr>
+            <a:r>
+              <a:rPr lang="pt-PT" altLang="pt-BR" sz="1400" b="1" dirty="0">
+                <a:solidFill>
+                  <a:schemeClr val="tx1"/>
+                </a:solidFill>
+                <a:latin typeface="Calibri" panose="020F0502020204030204" pitchFamily="34" charset="0"/>
+                <a:cs typeface="Simplon BP Regular"/>
+              </a:rPr>
+              <a:t>Adcionar e finaliar a documentação do projeto</a:t>
+            </a:r>
+          </a:p>
+          <a:p>
+            <a:pPr fontAlgn="base">
+              <a:spcBef>
+                <a:spcPct val="0"/>
+              </a:spcBef>
+              <a:defRPr/>
+            </a:pPr>
+            <a:r>
+              <a:rPr lang="pt-PT" altLang="pt-BR" sz="1400" b="1" dirty="0">
+                <a:solidFill>
+                  <a:schemeClr val="tx1"/>
+                </a:solidFill>
+                <a:latin typeface="Calibri" panose="020F0502020204030204" pitchFamily="34" charset="0"/>
+                <a:cs typeface="Simplon BP Regular"/>
+              </a:rPr>
+              <a:t>Finalizar o whitePaper</a:t>
             </a:r>
           </a:p>
           <a:p>
@@ -23560,44 +23651,7 @@
                 <a:latin typeface="Calibri" panose="020F0502020204030204" pitchFamily="34" charset="0"/>
                 <a:cs typeface="Simplon BP Regular"/>
               </a:rPr>
-              <a:t>Conexão e criação no banco </a:t>
-            </a:r>
-            <a:r>
-              <a:rPr lang="pt-PT" altLang="pt-BR" sz="1400" b="1" dirty="0" err="1">
-                <a:solidFill>
-                  <a:schemeClr val="tx1"/>
-                </a:solidFill>
-                <a:latin typeface="Calibri" panose="020F0502020204030204" pitchFamily="34" charset="0"/>
-                <a:cs typeface="Simplon BP Regular"/>
-              </a:rPr>
-              <a:t>Azure</a:t>
-            </a:r>
-            <a:endParaRPr lang="pt-PT" altLang="pt-BR" sz="1400" b="1" dirty="0">
-              <a:solidFill>
-                <a:schemeClr val="tx1"/>
-              </a:solidFill>
-              <a:latin typeface="Calibri" panose="020F0502020204030204" pitchFamily="34" charset="0"/>
-              <a:cs typeface="Simplon BP Regular"/>
-            </a:endParaRPr>
-          </a:p>
-          <a:p>
-            <a:pPr marL="252095" indent="-252095" fontAlgn="base">
-              <a:spcBef>
-                <a:spcPct val="0"/>
-              </a:spcBef>
-              <a:buFont typeface="Wingdings" panose="05000000000000000000" pitchFamily="2" charset="2"/>
-              <a:buChar char="ü"/>
-              <a:defRPr/>
-            </a:pPr>
-            <a:r>
-              <a:rPr lang="pt-PT" altLang="pt-BR" sz="1400" b="1" dirty="0">
-                <a:solidFill>
-                  <a:schemeClr val="tx1"/>
-                </a:solidFill>
-                <a:latin typeface="Calibri" panose="020F0502020204030204" pitchFamily="34" charset="0"/>
-                <a:cs typeface="Simplon BP Regular"/>
-              </a:rPr>
-              <a:t>Finalização do CRUD da API</a:t>
+              <a:t>Implementar a fila e a pilha no projeto</a:t>
             </a:r>
           </a:p>
           <a:p>
@@ -23617,45 +23671,8 @@
                 <a:latin typeface="Calibri" panose="020F0502020204030204" pitchFamily="34" charset="0"/>
                 <a:cs typeface="Simplon BP Regular"/>
               </a:rPr>
-              <a:t>Implementação do </a:t>
+              <a:t>Finalizar o layout do site</a:t>
             </a:r>
-            <a:r>
-              <a:rPr lang="pt-PT" altLang="pt-BR" sz="1400" b="1" dirty="0" err="1">
-                <a:solidFill>
-                  <a:schemeClr val="tx1"/>
-                </a:solidFill>
-                <a:latin typeface="Calibri" panose="020F0502020204030204" pitchFamily="34" charset="0"/>
-                <a:cs typeface="Simplon BP Regular"/>
-              </a:rPr>
-              <a:t>back</a:t>
-            </a:r>
-            <a:r>
-              <a:rPr lang="pt-PT" altLang="pt-BR" sz="1400" b="1" dirty="0">
-                <a:solidFill>
-                  <a:schemeClr val="tx1"/>
-                </a:solidFill>
-                <a:latin typeface="Calibri" panose="020F0502020204030204" pitchFamily="34" charset="0"/>
-                <a:cs typeface="Simplon BP Regular"/>
-              </a:rPr>
-              <a:t> com o </a:t>
-            </a:r>
-            <a:r>
-              <a:rPr lang="pt-PT" altLang="pt-BR" sz="1400" b="1" dirty="0" err="1">
-                <a:solidFill>
-                  <a:schemeClr val="tx1"/>
-                </a:solidFill>
-                <a:latin typeface="Calibri" panose="020F0502020204030204" pitchFamily="34" charset="0"/>
-                <a:cs typeface="Simplon BP Regular"/>
-              </a:rPr>
-              <a:t>front</a:t>
-            </a:r>
-            <a:endParaRPr lang="pt-PT" altLang="pt-BR" sz="1400" b="1" dirty="0">
-              <a:solidFill>
-                <a:schemeClr val="tx1"/>
-              </a:solidFill>
-              <a:latin typeface="Calibri" panose="020F0502020204030204" pitchFamily="34" charset="0"/>
-              <a:cs typeface="Simplon BP Regular"/>
-            </a:endParaRPr>
           </a:p>
           <a:p>
             <a:pPr marL="252095" indent="-252095" fontAlgn="base">
@@ -23666,13 +23683,36 @@
               <a:buChar char="ü"/>
               <a:defRPr/>
             </a:pPr>
-            <a:endParaRPr lang="pt-PT" altLang="pt-BR" sz="1400" b="1" dirty="0">
-              <a:solidFill>
-                <a:schemeClr val="tx1"/>
-              </a:solidFill>
-              <a:latin typeface="Calibri" panose="020F0502020204030204" pitchFamily="34" charset="0"/>
-              <a:cs typeface="Simplon BP Regular"/>
-            </a:endParaRPr>
+            <a:r>
+              <a:rPr lang="pt-PT" altLang="pt-BR" sz="1400" b="1" dirty="0">
+                <a:solidFill>
+                  <a:schemeClr val="tx1"/>
+                </a:solidFill>
+                <a:latin typeface="Calibri" panose="020F0502020204030204" pitchFamily="34" charset="0"/>
+                <a:cs typeface="Simplon BP Regular"/>
+              </a:rPr>
+              <a:t>Implementar a exportação do txt</a:t>
+            </a:r>
+          </a:p>
+          <a:p>
+            <a:pPr marL="252095" indent="-252095" fontAlgn="base">
+              <a:spcBef>
+                <a:spcPct val="0"/>
+              </a:spcBef>
+              <a:buFont typeface="Wingdings" panose="05000000000000000000" pitchFamily="2" charset="2"/>
+              <a:buChar char="ü"/>
+              <a:defRPr/>
+            </a:pPr>
+            <a:r>
+              <a:rPr lang="pt-PT" altLang="pt-BR" sz="1400" b="1" dirty="0">
+                <a:solidFill>
+                  <a:schemeClr val="tx1"/>
+                </a:solidFill>
+                <a:latin typeface="Calibri" panose="020F0502020204030204" pitchFamily="34" charset="0"/>
+                <a:cs typeface="Simplon BP Regular"/>
+              </a:rPr>
+              <a:t>Integrar as telas de quadra e horarios no back</a:t>
+            </a:r>
           </a:p>
           <a:p>
             <a:pPr marL="252095" indent="-252095" fontAlgn="base">
@@ -23961,14 +24001,14 @@
         </p:nvSpPr>
         <p:spPr>
           <a:xfrm>
-            <a:off x="9278580" y="297769"/>
+            <a:off x="9278580" y="212709"/>
             <a:ext cx="211404" cy="211689"/>
           </a:xfrm>
           <a:prstGeom prst="ellipse">
             <a:avLst/>
           </a:prstGeom>
           <a:solidFill>
-            <a:srgbClr val="00B050"/>
+            <a:srgbClr val="FFFF00"/>
           </a:solidFill>
           <a:ln w="12700">
             <a:solidFill>
@@ -24096,27 +24136,7 @@
                 <a:latin typeface="Calibri" panose="020F0502020204030204" pitchFamily="34" charset="0"/>
                 <a:cs typeface="Simplon BP Regular"/>
               </a:rPr>
-              <a:t> </a:t>
-            </a:r>
-            <a:r>
-              <a:rPr lang="pt-PT" altLang="pt-BR" sz="1200" b="1" dirty="0" err="1">
-                <a:solidFill>
-                  <a:schemeClr val="tx1"/>
-                </a:solidFill>
-                <a:latin typeface="Calibri" panose="020F0502020204030204" pitchFamily="34" charset="0"/>
-                <a:cs typeface="Simplon BP Regular"/>
-              </a:rPr>
-              <a:t>Driagrama</a:t>
-            </a:r>
-            <a:r>
-              <a:rPr lang="pt-PT" altLang="pt-BR" sz="1200" b="1" dirty="0">
-                <a:solidFill>
-                  <a:schemeClr val="tx1"/>
-                </a:solidFill>
-                <a:latin typeface="Calibri" panose="020F0502020204030204" pitchFamily="34" charset="0"/>
-                <a:cs typeface="Simplon BP Regular"/>
-              </a:rPr>
-              <a:t> de classes Java atualizado</a:t>
+              <a:t> Logins e cadastros integrados </a:t>
             </a:r>
           </a:p>
         </p:txBody>
@@ -24159,34 +24179,18 @@
             </a:pPr>
             <a:r>
               <a:rPr lang="pt-PT" altLang="pt-BR" sz="1200" b="1" dirty="0">
-                <a:solidFill>
-                  <a:schemeClr val="tx1"/>
-                </a:solidFill>
                 <a:latin typeface="Calibri" panose="020F0502020204030204" pitchFamily="34" charset="0"/>
                 <a:cs typeface="Simplon BP Regular"/>
               </a:rPr>
-              <a:t>Criação da tela de login, cadastro, </a:t>
+              <a:t>Telas de quadra finalizadas</a:t>
             </a:r>
-            <a:r>
-              <a:rPr lang="pt-PT" altLang="pt-BR" sz="1200" b="1" dirty="0" err="1">
-                <a:solidFill>
-                  <a:schemeClr val="tx1"/>
-                </a:solidFill>
-                <a:latin typeface="Calibri" panose="020F0502020204030204" pitchFamily="34" charset="0"/>
-                <a:cs typeface="Simplon BP Regular"/>
-              </a:rPr>
-              <a:t>home</a:t>
-            </a:r>
-            <a:r>
-              <a:rPr lang="pt-PT" altLang="pt-BR" sz="1200" b="1" dirty="0">
-                <a:solidFill>
-                  <a:schemeClr val="tx1"/>
-                </a:solidFill>
-                <a:latin typeface="Calibri" panose="020F0502020204030204" pitchFamily="34" charset="0"/>
-                <a:cs typeface="Simplon BP Regular"/>
-              </a:rPr>
-              <a:t> da aplicação e descrição das quadras em HTML</a:t>
-            </a:r>
+            <a:endParaRPr lang="pt-PT" altLang="pt-BR" sz="1200" b="1" dirty="0">
+              <a:solidFill>
+                <a:schemeClr val="tx1"/>
+              </a:solidFill>
+              <a:latin typeface="Calibri" panose="020F0502020204030204" pitchFamily="34" charset="0"/>
+              <a:cs typeface="Simplon BP Regular"/>
+            </a:endParaRPr>
           </a:p>
         </p:txBody>
       </p:sp>
@@ -24228,23 +24232,10 @@
             </a:pPr>
             <a:r>
               <a:rPr lang="pt-PT" altLang="pt-BR" sz="1200" b="1" dirty="0">
-                <a:solidFill>
-                  <a:schemeClr val="tx1"/>
-                </a:solidFill>
                 <a:latin typeface="Calibri" panose="020F0502020204030204" pitchFamily="34" charset="0"/>
                 <a:cs typeface="Simplon BP Regular"/>
               </a:rPr>
-              <a:t>Implementação do padrão de projeto </a:t>
-            </a:r>
-            <a:r>
-              <a:rPr lang="pt-PT" altLang="pt-BR" sz="1200" b="1" dirty="0" err="1">
-                <a:solidFill>
-                  <a:schemeClr val="tx1"/>
-                </a:solidFill>
-                <a:latin typeface="Calibri" panose="020F0502020204030204" pitchFamily="34" charset="0"/>
-                <a:cs typeface="Simplon BP Regular"/>
-              </a:rPr>
-              <a:t>Adapter</a:t>
+              <a:t>Criado excel de testes uat de todas as telas</a:t>
             </a:r>
             <a:endParaRPr lang="pt-PT" altLang="pt-BR" sz="1200" b="1" dirty="0">
               <a:solidFill>
@@ -24294,18 +24285,14 @@
             </a:pPr>
             <a:r>
               <a:rPr lang="pt-PT" altLang="pt-BR" sz="1200" b="1" dirty="0">
+                <a:solidFill>
+                  <a:schemeClr val="tx1"/>
+                </a:solidFill>
                 <a:latin typeface="Calibri" panose="020F0502020204030204" pitchFamily="34" charset="0"/>
                 <a:cs typeface="Simplon BP Regular"/>
               </a:rPr>
-              <a:t>Finalizado CRUD atleta, endereço, reservas e quadra</a:t>
+              <a:t>Ajustes no figma feitos</a:t>
             </a:r>
-            <a:endParaRPr lang="pt-PT" altLang="pt-BR" sz="1200" b="1" dirty="0">
-              <a:solidFill>
-                <a:schemeClr val="tx1"/>
-              </a:solidFill>
-              <a:latin typeface="Calibri" panose="020F0502020204030204" pitchFamily="34" charset="0"/>
-              <a:cs typeface="Simplon BP Regular"/>
-            </a:endParaRPr>
           </a:p>
         </p:txBody>
       </p:sp>
@@ -24366,152 +24353,6 @@
                 <a:prstClr val="black"/>
               </a:solidFill>
               <a:latin typeface="Simplon BP Regular"/>
-              <a:cs typeface="Simplon BP Regular"/>
-            </a:endParaRPr>
-          </a:p>
-        </p:txBody>
-      </p:sp>
-      <p:sp>
-        <p:nvSpPr>
-          <p:cNvPr id="33" name="CaixaDeTexto 32">
-            <a:extLst>
-              <a:ext uri="{FF2B5EF4-FFF2-40B4-BE49-F238E27FC236}">
-                <a16:creationId xmlns:a16="http://schemas.microsoft.com/office/drawing/2014/main" id="{6B9FD070-B1BF-4847-8501-24C566B67B95}"/>
-              </a:ext>
-            </a:extLst>
-          </p:cNvPr>
-          <p:cNvSpPr txBox="1"/>
-          <p:nvPr/>
-        </p:nvSpPr>
-        <p:spPr>
-          <a:xfrm>
-            <a:off x="469692" y="2508499"/>
-            <a:ext cx="6174873" cy="276999"/>
-          </a:xfrm>
-          <a:prstGeom prst="rect">
-            <a:avLst/>
-          </a:prstGeom>
-          <a:noFill/>
-        </p:spPr>
-        <p:txBody>
-          <a:bodyPr wrap="square">
-            <a:spAutoFit/>
-          </a:bodyPr>
-          <a:lstStyle/>
-          <a:p>
-            <a:pPr marL="252095" indent="-252095" fontAlgn="base">
-              <a:spcBef>
-                <a:spcPct val="0"/>
-              </a:spcBef>
-              <a:buFont typeface="Wingdings" panose="05000000000000000000" pitchFamily="2" charset="2"/>
-              <a:buChar char="ü"/>
-              <a:defRPr/>
-            </a:pPr>
-            <a:r>
-              <a:rPr lang="pt-PT" altLang="pt-BR" sz="1200" b="1" dirty="0">
-                <a:latin typeface="Calibri" panose="020F0502020204030204" pitchFamily="34" charset="0"/>
-                <a:cs typeface="Simplon BP Regular"/>
-              </a:rPr>
-              <a:t>Banco de dados finalizado</a:t>
-            </a:r>
-            <a:endParaRPr lang="pt-PT" altLang="pt-BR" sz="1200" b="1" dirty="0">
-              <a:solidFill>
-                <a:schemeClr val="tx1"/>
-              </a:solidFill>
-              <a:latin typeface="Calibri" panose="020F0502020204030204" pitchFamily="34" charset="0"/>
-              <a:cs typeface="Simplon BP Regular"/>
-            </a:endParaRPr>
-          </a:p>
-        </p:txBody>
-      </p:sp>
-      <p:sp>
-        <p:nvSpPr>
-          <p:cNvPr id="34" name="CaixaDeTexto 33">
-            <a:extLst>
-              <a:ext uri="{FF2B5EF4-FFF2-40B4-BE49-F238E27FC236}">
-                <a16:creationId xmlns:a16="http://schemas.microsoft.com/office/drawing/2014/main" id="{4F48F322-2422-4F1E-8E44-C7EB4DCBFABF}"/>
-              </a:ext>
-            </a:extLst>
-          </p:cNvPr>
-          <p:cNvSpPr txBox="1"/>
-          <p:nvPr/>
-        </p:nvSpPr>
-        <p:spPr>
-          <a:xfrm>
-            <a:off x="456896" y="2770882"/>
-            <a:ext cx="6174873" cy="276999"/>
-          </a:xfrm>
-          <a:prstGeom prst="rect">
-            <a:avLst/>
-          </a:prstGeom>
-          <a:noFill/>
-        </p:spPr>
-        <p:txBody>
-          <a:bodyPr wrap="square">
-            <a:spAutoFit/>
-          </a:bodyPr>
-          <a:lstStyle/>
-          <a:p>
-            <a:pPr marL="252095" indent="-252095" fontAlgn="base">
-              <a:spcBef>
-                <a:spcPct val="0"/>
-              </a:spcBef>
-              <a:buFont typeface="Wingdings" panose="05000000000000000000" pitchFamily="2" charset="2"/>
-              <a:buChar char="ü"/>
-              <a:defRPr/>
-            </a:pPr>
-            <a:r>
-              <a:rPr lang="pt-PT" altLang="pt-BR" sz="1200" b="1" dirty="0" err="1">
-                <a:solidFill>
-                  <a:schemeClr val="tx1"/>
-                </a:solidFill>
-                <a:latin typeface="Calibri" panose="020F0502020204030204" pitchFamily="34" charset="0"/>
-                <a:cs typeface="Simplon BP Regular"/>
-              </a:rPr>
-              <a:t>Prototipo</a:t>
-            </a:r>
-            <a:r>
-              <a:rPr lang="pt-PT" altLang="pt-BR" sz="1200" b="1" dirty="0">
-                <a:solidFill>
-                  <a:schemeClr val="tx1"/>
-                </a:solidFill>
-                <a:latin typeface="Calibri" panose="020F0502020204030204" pitchFamily="34" charset="0"/>
-                <a:cs typeface="Simplon BP Regular"/>
-              </a:rPr>
-              <a:t> navegável no </a:t>
-            </a:r>
-            <a:r>
-              <a:rPr lang="pt-PT" altLang="pt-BR" sz="1200" b="1" dirty="0" err="1">
-                <a:solidFill>
-                  <a:schemeClr val="tx1"/>
-                </a:solidFill>
-                <a:latin typeface="Calibri" panose="020F0502020204030204" pitchFamily="34" charset="0"/>
-                <a:cs typeface="Simplon BP Regular"/>
-              </a:rPr>
-              <a:t>Figma</a:t>
-            </a:r>
-            <a:r>
-              <a:rPr lang="pt-PT" altLang="pt-BR" sz="1200" b="1" dirty="0">
-                <a:solidFill>
-                  <a:schemeClr val="tx1"/>
-                </a:solidFill>
-                <a:latin typeface="Calibri" panose="020F0502020204030204" pitchFamily="34" charset="0"/>
-                <a:cs typeface="Simplon BP Regular"/>
-              </a:rPr>
-              <a:t> </a:t>
-            </a:r>
-            <a:r>
-              <a:rPr lang="pt-PT" altLang="pt-BR" sz="1200" b="1" dirty="0">
-                <a:latin typeface="Calibri" panose="020F0502020204030204" pitchFamily="34" charset="0"/>
-                <a:cs typeface="Simplon BP Regular"/>
-              </a:rPr>
-              <a:t>completo</a:t>
-            </a:r>
-            <a:endParaRPr lang="pt-PT" altLang="pt-BR" sz="1200" b="1" dirty="0">
-              <a:solidFill>
-                <a:schemeClr val="tx1"/>
-              </a:solidFill>
-              <a:latin typeface="Calibri" panose="020F0502020204030204" pitchFamily="34" charset="0"/>
               <a:cs typeface="Simplon BP Regular"/>
             </a:endParaRPr>
           </a:p>

--- a/Documentação/Grupo 3 - Status Report 07-10.pptx
+++ b/Documentação/Grupo 3 - Status Report 07-10.pptx
@@ -23493,7 +23493,47 @@
                 <a:latin typeface="Calibri" panose="020F0502020204030204" pitchFamily="34" charset="0"/>
                 <a:cs typeface="Simplon BP Regular"/>
               </a:rPr>
-              <a:t>Fazer a responsividade</a:t>
+              <a:t>Fazer a responsividade de todo site</a:t>
+            </a:r>
+          </a:p>
+          <a:p>
+            <a:pPr marL="252095" indent="-252095" fontAlgn="base">
+              <a:spcBef>
+                <a:spcPct val="0"/>
+              </a:spcBef>
+              <a:buFont typeface="Wingdings" panose="05000000000000000000" pitchFamily="2" charset="2"/>
+              <a:buChar char="ü"/>
+              <a:defRPr/>
+            </a:pPr>
+            <a:r>
+              <a:rPr lang="pt-PT" altLang="pt-BR" sz="1400" b="1" dirty="0">
+                <a:solidFill>
+                  <a:schemeClr val="tx1"/>
+                </a:solidFill>
+                <a:latin typeface="Calibri" panose="020F0502020204030204" pitchFamily="34" charset="0"/>
+                <a:cs typeface="Simplon BP Regular"/>
+              </a:rPr>
+              <a:t>Fazer ajustes nas telas das quadras</a:t>
+            </a:r>
+          </a:p>
+          <a:p>
+            <a:pPr marL="252095" indent="-252095" fontAlgn="base">
+              <a:spcBef>
+                <a:spcPct val="0"/>
+              </a:spcBef>
+              <a:buFont typeface="Wingdings" panose="05000000000000000000" pitchFamily="2" charset="2"/>
+              <a:buChar char="ü"/>
+              <a:defRPr/>
+            </a:pPr>
+            <a:r>
+              <a:rPr lang="pt-PT" altLang="pt-BR" sz="1400" b="1" dirty="0">
+                <a:solidFill>
+                  <a:schemeClr val="tx1"/>
+                </a:solidFill>
+                <a:latin typeface="Calibri" panose="020F0502020204030204" pitchFamily="34" charset="0"/>
+                <a:cs typeface="Simplon BP Regular"/>
+              </a:rPr>
+              <a:t>Passar as telas das quadras horarios e reservas para o react</a:t>
             </a:r>
           </a:p>
           <a:p>
@@ -23711,7 +23751,7 @@
                 <a:latin typeface="Calibri" panose="020F0502020204030204" pitchFamily="34" charset="0"/>
                 <a:cs typeface="Simplon BP Regular"/>
               </a:rPr>
-              <a:t>Integrar as telas de quadra e horarios no back</a:t>
+              <a:t>Integrar as telas de quadra e horarios no back e os restantes cadastros e login</a:t>
             </a:r>
           </a:p>
           <a:p>
@@ -24090,7 +24130,7 @@
         </p:nvSpPr>
         <p:spPr>
           <a:xfrm>
-            <a:off x="469692" y="1158681"/>
+            <a:off x="528787" y="1158681"/>
             <a:ext cx="6194864" cy="461665"/>
           </a:xfrm>
           <a:prstGeom prst="rect">
@@ -24136,7 +24176,7 @@
                 <a:latin typeface="Calibri" panose="020F0502020204030204" pitchFamily="34" charset="0"/>
                 <a:cs typeface="Simplon BP Regular"/>
               </a:rPr>
-              <a:t> Logins e cadastros integrados </a:t>
+              <a:t>cadastro de atleta integrado </a:t>
             </a:r>
           </a:p>
         </p:txBody>

--- a/Documentação/Grupo 3 - Status Report 07-10.pptx
+++ b/Documentação/Grupo 3 - Status Report 07-10.pptx
@@ -24130,8 +24130,8 @@
         </p:nvSpPr>
         <p:spPr>
           <a:xfrm>
-            <a:off x="528787" y="1158681"/>
-            <a:ext cx="6194864" cy="461665"/>
+            <a:off x="528787" y="1167830"/>
+            <a:ext cx="2736304" cy="461665"/>
           </a:xfrm>
           <a:prstGeom prst="rect">
             <a:avLst/>

--- a/Documentação/Grupo 3 - Status Report 07-10.pptx
+++ b/Documentação/Grupo 3 - Status Report 07-10.pptx
@@ -230,7 +230,7 @@
           <a:p>
             <a:fld id="{C3CD65D1-5C11-455D-9F9A-0E035F00A0DA}" type="datetimeFigureOut">
               <a:rPr lang="pt-BR" smtClean="0"/>
-              <a:t>11/11/2021</a:t>
+              <a:t>30/11/2021</a:t>
             </a:fld>
             <a:endParaRPr lang="pt-BR"/>
           </a:p>
@@ -396,7 +396,7 @@
           <a:p>
             <a:fld id="{A05DA3EF-18EA-43DE-B1BB-402A3C558822}" type="datetimeFigureOut">
               <a:rPr lang="pt-BR" smtClean="0"/>
-              <a:t>11/11/2021</a:t>
+              <a:t>30/11/2021</a:t>
             </a:fld>
             <a:endParaRPr lang="pt-BR"/>
           </a:p>
@@ -22495,7 +22495,7 @@
                 <a:latin typeface="Simplon Oi Headline"/>
                 <a:cs typeface="Simplon Oi Headline"/>
               </a:rPr>
-              <a:t>SEMANA 8 - </a:t>
+              <a:t> </a:t>
             </a:r>
             <a:r>
               <a:rPr lang="pt-PT" sz="2645" dirty="0">
@@ -22505,7 +22505,7 @@
                 <a:latin typeface="Simplon Oi Headline"/>
                 <a:cs typeface="Simplon Oi Headline"/>
               </a:rPr>
-              <a:t>07</a:t>
+              <a:t>30</a:t>
             </a:r>
             <a:r>
               <a:rPr lang="pt-PT" altLang="en-US" sz="2645" dirty="0">
@@ -22515,7 +22515,7 @@
                 <a:latin typeface="Simplon Oi Headline"/>
                 <a:cs typeface="Simplon Oi Headline"/>
               </a:rPr>
-              <a:t>/10/2021</a:t>
+              <a:t>/11/2021</a:t>
             </a:r>
           </a:p>
         </p:txBody>
@@ -22646,14 +22646,14 @@
         </p:nvSpPr>
         <p:spPr>
           <a:xfrm>
-            <a:off x="11193898" y="328582"/>
+            <a:off x="11193898" y="275311"/>
             <a:ext cx="211404" cy="211689"/>
           </a:xfrm>
           <a:prstGeom prst="ellipse">
             <a:avLst/>
           </a:prstGeom>
           <a:solidFill>
-            <a:srgbClr val="FFFF00"/>
+            <a:srgbClr val="00B050"/>
           </a:solidFill>
           <a:ln w="12700">
             <a:solidFill>
@@ -22686,6 +22686,9 @@
               <a:solidFill>
                 <a:prstClr val="black"/>
               </a:solidFill>
+              <a:highlight>
+                <a:srgbClr val="00FF00"/>
+              </a:highlight>
               <a:latin typeface="Simplon BP Regular"/>
               <a:cs typeface="Simplon BP Regular"/>
             </a:endParaRPr>
@@ -23473,67 +23476,7 @@
                 <a:latin typeface="Calibri" panose="020F0502020204030204" pitchFamily="34" charset="0"/>
                 <a:cs typeface="Simplon BP Regular"/>
               </a:rPr>
-              <a:t>Ajustar o conteudo do site</a:t>
-            </a:r>
-          </a:p>
-          <a:p>
-            <a:pPr marL="252095" indent="-252095" fontAlgn="base">
-              <a:spcBef>
-                <a:spcPct val="0"/>
-              </a:spcBef>
-              <a:buFont typeface="Wingdings" panose="05000000000000000000" pitchFamily="2" charset="2"/>
-              <a:buChar char="ü"/>
-              <a:defRPr/>
-            </a:pPr>
-            <a:r>
-              <a:rPr lang="pt-PT" altLang="pt-BR" sz="1400" b="1" dirty="0">
-                <a:solidFill>
-                  <a:schemeClr val="tx1"/>
-                </a:solidFill>
-                <a:latin typeface="Calibri" panose="020F0502020204030204" pitchFamily="34" charset="0"/>
-                <a:cs typeface="Simplon BP Regular"/>
-              </a:rPr>
-              <a:t>Fazer a responsividade de todo site</a:t>
-            </a:r>
-          </a:p>
-          <a:p>
-            <a:pPr marL="252095" indent="-252095" fontAlgn="base">
-              <a:spcBef>
-                <a:spcPct val="0"/>
-              </a:spcBef>
-              <a:buFont typeface="Wingdings" panose="05000000000000000000" pitchFamily="2" charset="2"/>
-              <a:buChar char="ü"/>
-              <a:defRPr/>
-            </a:pPr>
-            <a:r>
-              <a:rPr lang="pt-PT" altLang="pt-BR" sz="1400" b="1" dirty="0">
-                <a:solidFill>
-                  <a:schemeClr val="tx1"/>
-                </a:solidFill>
-                <a:latin typeface="Calibri" panose="020F0502020204030204" pitchFamily="34" charset="0"/>
-                <a:cs typeface="Simplon BP Regular"/>
-              </a:rPr>
-              <a:t>Fazer ajustes nas telas das quadras</a:t>
-            </a:r>
-          </a:p>
-          <a:p>
-            <a:pPr marL="252095" indent="-252095" fontAlgn="base">
-              <a:spcBef>
-                <a:spcPct val="0"/>
-              </a:spcBef>
-              <a:buFont typeface="Wingdings" panose="05000000000000000000" pitchFamily="2" charset="2"/>
-              <a:buChar char="ü"/>
-              <a:defRPr/>
-            </a:pPr>
-            <a:r>
-              <a:rPr lang="pt-PT" altLang="pt-BR" sz="1400" b="1" dirty="0">
-                <a:solidFill>
-                  <a:schemeClr val="tx1"/>
-                </a:solidFill>
-                <a:latin typeface="Calibri" panose="020F0502020204030204" pitchFamily="34" charset="0"/>
-                <a:cs typeface="Simplon BP Regular"/>
-              </a:rPr>
-              <a:t>Passar as telas das quadras horarios e reservas para o react</a:t>
+              <a:t>Finalizar ajuste de cores do site</a:t>
             </a:r>
           </a:p>
           <a:p>
@@ -23604,7 +23547,7 @@
                 <a:latin typeface="Calibri" panose="020F0502020204030204" pitchFamily="34" charset="0"/>
                 <a:cs typeface="Simplon BP Regular"/>
               </a:rPr>
-              <a:t>Finalizar o whitePaper</a:t>
+              <a:t>Ensaiar e apresentar o projeto</a:t>
             </a:r>
           </a:p>
           <a:p>
@@ -23691,67 +23634,7 @@
                 <a:latin typeface="Calibri" panose="020F0502020204030204" pitchFamily="34" charset="0"/>
                 <a:cs typeface="Simplon BP Regular"/>
               </a:rPr>
-              <a:t>Implementar a fila e a pilha no projeto</a:t>
-            </a:r>
-          </a:p>
-          <a:p>
-            <a:pPr marL="252095" indent="-252095" fontAlgn="base">
-              <a:spcBef>
-                <a:spcPct val="0"/>
-              </a:spcBef>
-              <a:buFont typeface="Wingdings" panose="05000000000000000000" pitchFamily="2" charset="2"/>
-              <a:buChar char="ü"/>
-              <a:defRPr/>
-            </a:pPr>
-            <a:r>
-              <a:rPr lang="pt-PT" altLang="pt-BR" sz="1400" b="1" dirty="0">
-                <a:solidFill>
-                  <a:schemeClr val="tx1"/>
-                </a:solidFill>
-                <a:latin typeface="Calibri" panose="020F0502020204030204" pitchFamily="34" charset="0"/>
-                <a:cs typeface="Simplon BP Regular"/>
-              </a:rPr>
-              <a:t>Finalizar o layout do site</a:t>
-            </a:r>
-          </a:p>
-          <a:p>
-            <a:pPr marL="252095" indent="-252095" fontAlgn="base">
-              <a:spcBef>
-                <a:spcPct val="0"/>
-              </a:spcBef>
-              <a:buFont typeface="Wingdings" panose="05000000000000000000" pitchFamily="2" charset="2"/>
-              <a:buChar char="ü"/>
-              <a:defRPr/>
-            </a:pPr>
-            <a:r>
-              <a:rPr lang="pt-PT" altLang="pt-BR" sz="1400" b="1" dirty="0">
-                <a:solidFill>
-                  <a:schemeClr val="tx1"/>
-                </a:solidFill>
-                <a:latin typeface="Calibri" panose="020F0502020204030204" pitchFamily="34" charset="0"/>
-                <a:cs typeface="Simplon BP Regular"/>
-              </a:rPr>
-              <a:t>Implementar a exportação do txt</a:t>
-            </a:r>
-          </a:p>
-          <a:p>
-            <a:pPr marL="252095" indent="-252095" fontAlgn="base">
-              <a:spcBef>
-                <a:spcPct val="0"/>
-              </a:spcBef>
-              <a:buFont typeface="Wingdings" panose="05000000000000000000" pitchFamily="2" charset="2"/>
-              <a:buChar char="ü"/>
-              <a:defRPr/>
-            </a:pPr>
-            <a:r>
-              <a:rPr lang="pt-PT" altLang="pt-BR" sz="1400" b="1" dirty="0">
-                <a:solidFill>
-                  <a:schemeClr val="tx1"/>
-                </a:solidFill>
-                <a:latin typeface="Calibri" panose="020F0502020204030204" pitchFamily="34" charset="0"/>
-                <a:cs typeface="Simplon BP Regular"/>
-              </a:rPr>
-              <a:t>Integrar as telas de quadra e horarios no back e os restantes cadastros e login</a:t>
+              <a:t>Implementar a importação do txt</a:t>
             </a:r>
           </a:p>
           <a:p>
@@ -24170,13 +24053,20 @@
             </a:pPr>
             <a:r>
               <a:rPr lang="pt-PT" altLang="pt-BR" sz="1200" b="1" dirty="0">
+                <a:latin typeface="Calibri" panose="020F0502020204030204" pitchFamily="34" charset="0"/>
+                <a:cs typeface="Simplon BP Regular"/>
+              </a:rPr>
+              <a:t>Site 100% integrado</a:t>
+            </a:r>
+            <a:r>
+              <a:rPr lang="pt-PT" altLang="pt-BR" sz="1200" b="1" dirty="0">
                 <a:solidFill>
                   <a:schemeClr val="tx1"/>
                 </a:solidFill>
                 <a:latin typeface="Calibri" panose="020F0502020204030204" pitchFamily="34" charset="0"/>
                 <a:cs typeface="Simplon BP Regular"/>
               </a:rPr>
-              <a:t>cadastro de atleta integrado </a:t>
+              <a:t> </a:t>
             </a:r>
           </a:p>
         </p:txBody>
@@ -24219,18 +24109,14 @@
             </a:pPr>
             <a:r>
               <a:rPr lang="pt-PT" altLang="pt-BR" sz="1200" b="1" dirty="0">
+                <a:solidFill>
+                  <a:schemeClr val="tx1"/>
+                </a:solidFill>
                 <a:latin typeface="Calibri" panose="020F0502020204030204" pitchFamily="34" charset="0"/>
                 <a:cs typeface="Simplon BP Regular"/>
               </a:rPr>
-              <a:t>Telas de quadra finalizadas</a:t>
+              <a:t>White Paper finalizado</a:t>
             </a:r>
-            <a:endParaRPr lang="pt-PT" altLang="pt-BR" sz="1200" b="1" dirty="0">
-              <a:solidFill>
-                <a:schemeClr val="tx1"/>
-              </a:solidFill>
-              <a:latin typeface="Calibri" panose="020F0502020204030204" pitchFamily="34" charset="0"/>
-              <a:cs typeface="Simplon BP Regular"/>
-            </a:endParaRPr>
           </a:p>
         </p:txBody>
       </p:sp>
@@ -24272,10 +24158,20 @@
             </a:pPr>
             <a:r>
               <a:rPr lang="pt-PT" altLang="pt-BR" sz="1200" b="1" dirty="0">
+                <a:solidFill>
+                  <a:schemeClr val="tx1"/>
+                </a:solidFill>
                 <a:latin typeface="Calibri" panose="020F0502020204030204" pitchFamily="34" charset="0"/>
                 <a:cs typeface="Simplon BP Regular"/>
               </a:rPr>
-              <a:t>Criado excel de testes uat de todas as telas</a:t>
+              <a:t>Testes </a:t>
+            </a:r>
+            <a:r>
+              <a:rPr lang="pt-PT" altLang="pt-BR" sz="1200" b="1" dirty="0">
+                <a:latin typeface="Calibri" panose="020F0502020204030204" pitchFamily="34" charset="0"/>
+                <a:cs typeface="Simplon BP Regular"/>
+              </a:rPr>
+              <a:t>automatizados prontos</a:t>
             </a:r>
             <a:endParaRPr lang="pt-PT" altLang="pt-BR" sz="1200" b="1" dirty="0">
               <a:solidFill>
@@ -24325,14 +24221,18 @@
             </a:pPr>
             <a:r>
               <a:rPr lang="pt-PT" altLang="pt-BR" sz="1200" b="1" dirty="0">
-                <a:solidFill>
-                  <a:schemeClr val="tx1"/>
-                </a:solidFill>
                 <a:latin typeface="Calibri" panose="020F0502020204030204" pitchFamily="34" charset="0"/>
                 <a:cs typeface="Simplon BP Regular"/>
               </a:rPr>
-              <a:t>Ajustes no figma feitos</a:t>
+              <a:t>Frontend Ajustado</a:t>
             </a:r>
+            <a:endParaRPr lang="pt-PT" altLang="pt-BR" sz="1200" b="1" dirty="0">
+              <a:solidFill>
+                <a:schemeClr val="tx1"/>
+              </a:solidFill>
+              <a:latin typeface="Calibri" panose="020F0502020204030204" pitchFamily="34" charset="0"/>
+              <a:cs typeface="Simplon BP Regular"/>
+            </a:endParaRPr>
           </a:p>
         </p:txBody>
       </p:sp>
